--- a/OKRs_template.pptx
+++ b/OKRs_template.pptx
@@ -2440,13 +2440,13 @@
           <a:lstStyle/>
           <a:p>
             <a:r>
-              <a:rPr lang="en-US" sz="1600" b="0" dirty="0">
+              <a:rPr lang="en-US" sz="1600" b="0">
                 <a:solidFill>
                   <a:srgbClr val="696969"/>
                 </a:solidFill>
                 <a:latin typeface="Arial"/>
               </a:rPr>
-              <a:t>A Four-Phase Approach to Market Preparation and Launch Support for Familial Chylomicronemia Syndrome (FCS)</a:t>
+              <a:t>Slide_subtitle</a:t>
             </a:r>
             <a:endParaRPr lang="en-GB" dirty="0"/>
           </a:p>
@@ -3660,10 +3660,9 @@
               <a:buNone/>
             </a:pPr>
             <a:r>
-              <a:rPr lang="en-GB"/>
+              <a:rPr lang="en-GB" dirty="0"/>
               <a:t>Phase4_results</a:t>
             </a:r>
-            <a:endParaRPr lang="en-GB" dirty="0"/>
           </a:p>
         </p:txBody>
       </p:sp>

--- a/OKRs_template.pptx
+++ b/OKRs_template.pptx
@@ -121,6 +121,59 @@
     <p1510:client id="{E249D028-DCC9-6944-92E2-4EC4D76AE587}" v="6" dt="2024-09-12T08:18:46.589"/>
   </p1510:revLst>
 </p1510:revInfo>
+</file>
+
+<file path=ppt/changesInfos/changesInfo1.xml><?xml version="1.0" encoding="utf-8"?>
+<pc:chgInfo xmlns:a="http://schemas.openxmlformats.org/drawingml/2006/main" xmlns:r="http://schemas.openxmlformats.org/officeDocument/2006/relationships" xmlns:ac="http://schemas.microsoft.com/office/drawing/2013/main/command" xmlns:pc="http://schemas.microsoft.com/office/powerpoint/2013/main/command">
+  <pc:docChgLst>
+    <pc:chgData name="Arbour, Duncan" userId="f8c76c83-f09a-4702-8a60-e00215c8b89f" providerId="ADAL" clId="{E249D028-DCC9-6944-92E2-4EC4D76AE587}"/>
+    <pc:docChg chg="modSld">
+      <pc:chgData name="Arbour, Duncan" userId="f8c76c83-f09a-4702-8a60-e00215c8b89f" providerId="ADAL" clId="{E249D028-DCC9-6944-92E2-4EC4D76AE587}" dt="2024-09-12T09:05:25.354" v="17" actId="1035"/>
+      <pc:docMkLst>
+        <pc:docMk/>
+      </pc:docMkLst>
+      <pc:sldChg chg="modSp mod">
+        <pc:chgData name="Arbour, Duncan" userId="f8c76c83-f09a-4702-8a60-e00215c8b89f" providerId="ADAL" clId="{E249D028-DCC9-6944-92E2-4EC4D76AE587}" dt="2024-09-12T09:05:25.354" v="17" actId="1035"/>
+        <pc:sldMkLst>
+          <pc:docMk/>
+          <pc:sldMk cId="1565184667" sldId="259"/>
+        </pc:sldMkLst>
+        <pc:spChg chg="mod">
+          <ac:chgData name="Arbour, Duncan" userId="f8c76c83-f09a-4702-8a60-e00215c8b89f" providerId="ADAL" clId="{E249D028-DCC9-6944-92E2-4EC4D76AE587}" dt="2024-09-12T09:05:25.354" v="17" actId="1035"/>
+          <ac:spMkLst>
+            <pc:docMk/>
+            <pc:sldMk cId="1565184667" sldId="259"/>
+            <ac:spMk id="4" creationId="{71B4C58E-3593-6D67-8DCD-738685DCB365}"/>
+          </ac:spMkLst>
+        </pc:spChg>
+        <pc:spChg chg="mod">
+          <ac:chgData name="Arbour, Duncan" userId="f8c76c83-f09a-4702-8a60-e00215c8b89f" providerId="ADAL" clId="{E249D028-DCC9-6944-92E2-4EC4D76AE587}" dt="2024-09-12T09:05:25.354" v="17" actId="1035"/>
+          <ac:spMkLst>
+            <pc:docMk/>
+            <pc:sldMk cId="1565184667" sldId="259"/>
+            <ac:spMk id="5" creationId="{2E2029F5-18B1-6887-BE53-78C31A8B4574}"/>
+          </ac:spMkLst>
+        </pc:spChg>
+        <pc:spChg chg="mod">
+          <ac:chgData name="Arbour, Duncan" userId="f8c76c83-f09a-4702-8a60-e00215c8b89f" providerId="ADAL" clId="{E249D028-DCC9-6944-92E2-4EC4D76AE587}" dt="2024-09-12T09:05:25.354" v="17" actId="1035"/>
+          <ac:spMkLst>
+            <pc:docMk/>
+            <pc:sldMk cId="1565184667" sldId="259"/>
+            <ac:spMk id="6" creationId="{513123A8-F635-2205-05C7-0C18505171BA}"/>
+          </ac:spMkLst>
+        </pc:spChg>
+        <pc:spChg chg="mod">
+          <ac:chgData name="Arbour, Duncan" userId="f8c76c83-f09a-4702-8a60-e00215c8b89f" providerId="ADAL" clId="{E249D028-DCC9-6944-92E2-4EC4D76AE587}" dt="2024-09-12T09:05:25.354" v="17" actId="1035"/>
+          <ac:spMkLst>
+            <pc:docMk/>
+            <pc:sldMk cId="1565184667" sldId="259"/>
+            <ac:spMk id="7" creationId="{432783DB-F5AA-19D6-100B-221F312FF24D}"/>
+          </ac:spMkLst>
+        </pc:spChg>
+      </pc:sldChg>
+    </pc:docChg>
+  </pc:docChgLst>
+</pc:chgInfo>
 </file>
 
 <file path=ppt/notesMasters/notesMaster1.xml><?xml version="1.0" encoding="utf-8"?>
@@ -2778,7 +2831,7 @@
         </p:nvSpPr>
         <p:spPr>
           <a:xfrm>
-            <a:off x="705318" y="2822713"/>
+            <a:off x="705318" y="2584177"/>
             <a:ext cx="2447925" cy="606367"/>
           </a:xfrm>
           <a:prstGeom prst="rect">
@@ -3005,7 +3058,7 @@
         </p:nvSpPr>
         <p:spPr>
           <a:xfrm>
-            <a:off x="3501540" y="2822713"/>
+            <a:off x="3501540" y="2584177"/>
             <a:ext cx="2447925" cy="606367"/>
           </a:xfrm>
           <a:prstGeom prst="rect">
@@ -3232,7 +3285,7 @@
         </p:nvSpPr>
         <p:spPr>
           <a:xfrm>
-            <a:off x="6287920" y="2816893"/>
+            <a:off x="6287920" y="2578357"/>
             <a:ext cx="2447925" cy="606367"/>
           </a:xfrm>
           <a:prstGeom prst="rect">
@@ -3455,7 +3508,7 @@
         </p:nvSpPr>
         <p:spPr>
           <a:xfrm>
-            <a:off x="9061452" y="2822633"/>
+            <a:off x="9061452" y="2584097"/>
             <a:ext cx="2447925" cy="606367"/>
           </a:xfrm>
           <a:prstGeom prst="rect">
@@ -4368,6 +4421,26 @@
 </file>
 
 <file path=customXml/item1.xml><?xml version="1.0" encoding="utf-8"?>
+<?mso-contentType ?>
+<FormTemplates xmlns="http://schemas.microsoft.com/sharepoint/v3/contenttype/forms">
+  <Display>DocumentLibraryForm</Display>
+  <Edit>DocumentLibraryForm</Edit>
+  <New>DocumentLibraryForm</New>
+</FormTemplates>
+</file>
+
+<file path=customXml/item2.xml><?xml version="1.0" encoding="utf-8"?>
+<p:properties xmlns:p="http://schemas.microsoft.com/office/2006/metadata/properties" xmlns:xsi="http://www.w3.org/2001/XMLSchema-instance" xmlns:pc="http://schemas.microsoft.com/office/infopath/2007/PartnerControls">
+  <documentManagement>
+    <TaxCatchAll xmlns="9bea065c-4598-471b-a0d8-b208471d6a41" xsi:nil="true"/>
+    <lcf76f155ced4ddcb4097134ff3c332f xmlns="737cdb0d-9f15-48ec-9529-975a91239bb1">
+      <Terms xmlns="http://schemas.microsoft.com/office/infopath/2007/PartnerControls"/>
+    </lcf76f155ced4ddcb4097134ff3c332f>
+  </documentManagement>
+</p:properties>
+</file>
+
+<file path=customXml/item3.xml><?xml version="1.0" encoding="utf-8"?>
 <ct:contentTypeSchema xmlns:ct="http://schemas.microsoft.com/office/2006/metadata/contentType" xmlns:ma="http://schemas.microsoft.com/office/2006/metadata/properties/metaAttributes" ct:_="" ma:_="" ma:contentTypeName="Document" ma:contentTypeID="0x010100A2CD2B7DD7D5E348A4B5B847AD49C1E4" ma:contentTypeVersion="15" ma:contentTypeDescription="Create a new document." ma:contentTypeScope="" ma:versionID="8e0e392dcf65750e3ad704a59f705fb3">
   <xsd:schema xmlns:xsd="http://www.w3.org/2001/XMLSchema" xmlns:xs="http://www.w3.org/2001/XMLSchema" xmlns:p="http://schemas.microsoft.com/office/2006/metadata/properties" xmlns:ns2="737cdb0d-9f15-48ec-9529-975a91239bb1" xmlns:ns3="9bea065c-4598-471b-a0d8-b208471d6a41" targetNamespace="http://schemas.microsoft.com/office/2006/metadata/properties" ma:root="true" ma:fieldsID="16d7d9ff6e2e2d483fddd166083c89fa" ns2:_="" ns3:_="">
     <xsd:import namespace="737cdb0d-9f15-48ec-9529-975a91239bb1"/>
@@ -4602,27 +4675,32 @@
 </ct:contentTypeSchema>
 </file>
 
-<file path=customXml/item2.xml><?xml version="1.0" encoding="utf-8"?>
-<p:properties xmlns:p="http://schemas.microsoft.com/office/2006/metadata/properties" xmlns:xsi="http://www.w3.org/2001/XMLSchema-instance" xmlns:pc="http://schemas.microsoft.com/office/infopath/2007/PartnerControls">
-  <documentManagement>
-    <TaxCatchAll xmlns="9bea065c-4598-471b-a0d8-b208471d6a41" xsi:nil="true"/>
-    <lcf76f155ced4ddcb4097134ff3c332f xmlns="737cdb0d-9f15-48ec-9529-975a91239bb1">
-      <Terms xmlns="http://schemas.microsoft.com/office/infopath/2007/PartnerControls"/>
-    </lcf76f155ced4ddcb4097134ff3c332f>
-  </documentManagement>
-</p:properties>
+<file path=customXml/itemProps1.xml><?xml version="1.0" encoding="utf-8"?>
+<ds:datastoreItem xmlns:ds="http://schemas.openxmlformats.org/officeDocument/2006/customXml" ds:itemID="{3BB299B6-1159-4940-B296-E198453C8E80}">
+  <ds:schemaRefs>
+    <ds:schemaRef ds:uri="http://schemas.microsoft.com/sharepoint/v3/contenttype/forms"/>
+  </ds:schemaRefs>
+</ds:datastoreItem>
 </file>
 
-<file path=customXml/item3.xml><?xml version="1.0" encoding="utf-8"?>
-<?mso-contentType ?>
-<FormTemplates xmlns="http://schemas.microsoft.com/sharepoint/v3/contenttype/forms">
-  <Display>DocumentLibraryForm</Display>
-  <Edit>DocumentLibraryForm</Edit>
-  <New>DocumentLibraryForm</New>
-</FormTemplates>
+<file path=customXml/itemProps2.xml><?xml version="1.0" encoding="utf-8"?>
+<ds:datastoreItem xmlns:ds="http://schemas.openxmlformats.org/officeDocument/2006/customXml" ds:itemID="{9674E985-4D59-45AB-8970-AD8E2C92CE21}">
+  <ds:schemaRefs>
+    <ds:schemaRef ds:uri="737cdb0d-9f15-48ec-9529-975a91239bb1"/>
+    <ds:schemaRef ds:uri="http://schemas.microsoft.com/office/2006/metadata/properties"/>
+    <ds:schemaRef ds:uri="9bea065c-4598-471b-a0d8-b208471d6a41"/>
+    <ds:schemaRef ds:uri="http://purl.org/dc/dcmitype/"/>
+    <ds:schemaRef ds:uri="http://schemas.microsoft.com/office/2006/documentManagement/types"/>
+    <ds:schemaRef ds:uri="http://purl.org/dc/elements/1.1/"/>
+    <ds:schemaRef ds:uri="http://schemas.microsoft.com/office/infopath/2007/PartnerControls"/>
+    <ds:schemaRef ds:uri="http://schemas.openxmlformats.org/package/2006/metadata/core-properties"/>
+    <ds:schemaRef ds:uri="http://www.w3.org/XML/1998/namespace"/>
+    <ds:schemaRef ds:uri="http://purl.org/dc/terms/"/>
+  </ds:schemaRefs>
+</ds:datastoreItem>
 </file>
 
-<file path=customXml/itemProps1.xml><?xml version="1.0" encoding="utf-8"?>
+<file path=customXml/itemProps3.xml><?xml version="1.0" encoding="utf-8"?>
 <ds:datastoreItem xmlns:ds="http://schemas.openxmlformats.org/officeDocument/2006/customXml" ds:itemID="{C4D443D4-D2BB-47D9-93BA-F264F5B47780}">
   <ds:schemaRefs>
     <ds:schemaRef ds:uri="737cdb0d-9f15-48ec-9529-975a91239bb1"/>
@@ -4639,29 +4717,4 @@
     <ds:schemaRef ds:uri="http://www.w3.org/2001/XMLSchema"/>
   </ds:schemaRefs>
 </ds:datastoreItem>
-</file>
-
-<file path=customXml/itemProps2.xml><?xml version="1.0" encoding="utf-8"?>
-<ds:datastoreItem xmlns:ds="http://schemas.openxmlformats.org/officeDocument/2006/customXml" ds:itemID="{9674E985-4D59-45AB-8970-AD8E2C92CE21}">
-  <ds:schemaRefs>
-    <ds:schemaRef ds:uri="http://schemas.openxmlformats.org/package/2006/metadata/core-properties"/>
-    <ds:schemaRef ds:uri="http://schemas.microsoft.com/office/2006/metadata/properties"/>
-    <ds:schemaRef ds:uri="http://www.w3.org/XML/1998/namespace"/>
-    <ds:schemaRef ds:uri="http://schemas.microsoft.com/office/2006/documentManagement/types"/>
-    <ds:schemaRef ds:uri="http://purl.org/dc/elements/1.1/"/>
-    <ds:schemaRef ds:uri="http://schemas.microsoft.com/office/infopath/2007/PartnerControls"/>
-    <ds:schemaRef ds:uri="http://purl.org/dc/dcmitype/"/>
-    <ds:schemaRef ds:uri="9bea065c-4598-471b-a0d8-b208471d6a41"/>
-    <ds:schemaRef ds:uri="737cdb0d-9f15-48ec-9529-975a91239bb1"/>
-    <ds:schemaRef ds:uri="http://purl.org/dc/terms/"/>
-  </ds:schemaRefs>
-</ds:datastoreItem>
-</file>
-
-<file path=customXml/itemProps3.xml><?xml version="1.0" encoding="utf-8"?>
-<ds:datastoreItem xmlns:ds="http://schemas.openxmlformats.org/officeDocument/2006/customXml" ds:itemID="{3BB299B6-1159-4940-B296-E198453C8E80}">
-  <ds:schemaRefs>
-    <ds:schemaRef ds:uri="http://schemas.microsoft.com/sharepoint/v3/contenttype/forms"/>
-  </ds:schemaRefs>
-</ds:datastoreItem>
 </file>
--- a/OKRs_template.pptx
+++ b/OKRs_template.pptx
@@ -128,12 +128,12 @@
   <pc:docChgLst>
     <pc:chgData name="Arbour, Duncan" userId="f8c76c83-f09a-4702-8a60-e00215c8b89f" providerId="ADAL" clId="{E249D028-DCC9-6944-92E2-4EC4D76AE587}"/>
     <pc:docChg chg="modSld">
-      <pc:chgData name="Arbour, Duncan" userId="f8c76c83-f09a-4702-8a60-e00215c8b89f" providerId="ADAL" clId="{E249D028-DCC9-6944-92E2-4EC4D76AE587}" dt="2024-09-12T09:05:25.354" v="17" actId="1035"/>
+      <pc:chgData name="Arbour, Duncan" userId="f8c76c83-f09a-4702-8a60-e00215c8b89f" providerId="ADAL" clId="{E249D028-DCC9-6944-92E2-4EC4D76AE587}" dt="2024-09-12T09:18:23.751" v="32" actId="1035"/>
       <pc:docMkLst>
         <pc:docMk/>
       </pc:docMkLst>
       <pc:sldChg chg="modSp mod">
-        <pc:chgData name="Arbour, Duncan" userId="f8c76c83-f09a-4702-8a60-e00215c8b89f" providerId="ADAL" clId="{E249D028-DCC9-6944-92E2-4EC4D76AE587}" dt="2024-09-12T09:05:25.354" v="17" actId="1035"/>
+        <pc:chgData name="Arbour, Duncan" userId="f8c76c83-f09a-4702-8a60-e00215c8b89f" providerId="ADAL" clId="{E249D028-DCC9-6944-92E2-4EC4D76AE587}" dt="2024-09-12T09:18:23.751" v="32" actId="1035"/>
         <pc:sldMkLst>
           <pc:docMk/>
           <pc:sldMk cId="1565184667" sldId="259"/>
@@ -168,6 +168,38 @@
             <pc:docMk/>
             <pc:sldMk cId="1565184667" sldId="259"/>
             <ac:spMk id="7" creationId="{432783DB-F5AA-19D6-100B-221F312FF24D}"/>
+          </ac:spMkLst>
+        </pc:spChg>
+        <pc:spChg chg="mod">
+          <ac:chgData name="Arbour, Duncan" userId="f8c76c83-f09a-4702-8a60-e00215c8b89f" providerId="ADAL" clId="{E249D028-DCC9-6944-92E2-4EC4D76AE587}" dt="2024-09-12T09:18:23.751" v="32" actId="1035"/>
+          <ac:spMkLst>
+            <pc:docMk/>
+            <pc:sldMk cId="1565184667" sldId="259"/>
+            <ac:spMk id="17" creationId="{180D8124-0C9A-B1FA-71AB-44F3DC319F50}"/>
+          </ac:spMkLst>
+        </pc:spChg>
+        <pc:spChg chg="mod">
+          <ac:chgData name="Arbour, Duncan" userId="f8c76c83-f09a-4702-8a60-e00215c8b89f" providerId="ADAL" clId="{E249D028-DCC9-6944-92E2-4EC4D76AE587}" dt="2024-09-12T09:18:23.751" v="32" actId="1035"/>
+          <ac:spMkLst>
+            <pc:docMk/>
+            <pc:sldMk cId="1565184667" sldId="259"/>
+            <ac:spMk id="18" creationId="{E394A8A8-71D6-11DD-A2DC-272ACE9EF52A}"/>
+          </ac:spMkLst>
+        </pc:spChg>
+        <pc:spChg chg="mod">
+          <ac:chgData name="Arbour, Duncan" userId="f8c76c83-f09a-4702-8a60-e00215c8b89f" providerId="ADAL" clId="{E249D028-DCC9-6944-92E2-4EC4D76AE587}" dt="2024-09-12T09:18:23.751" v="32" actId="1035"/>
+          <ac:spMkLst>
+            <pc:docMk/>
+            <pc:sldMk cId="1565184667" sldId="259"/>
+            <ac:spMk id="19" creationId="{ABD76EB8-5604-6973-1F93-E2226F4355F9}"/>
+          </ac:spMkLst>
+        </pc:spChg>
+        <pc:spChg chg="mod">
+          <ac:chgData name="Arbour, Duncan" userId="f8c76c83-f09a-4702-8a60-e00215c8b89f" providerId="ADAL" clId="{E249D028-DCC9-6944-92E2-4EC4D76AE587}" dt="2024-09-12T09:18:23.751" v="32" actId="1035"/>
+          <ac:spMkLst>
+            <pc:docMk/>
+            <pc:sldMk cId="1565184667" sldId="259"/>
+            <ac:spMk id="20" creationId="{5D4250AA-3B92-0515-775A-BB206CE63D5D}"/>
           </ac:spMkLst>
         </pc:spChg>
       </pc:sldChg>
@@ -2705,7 +2737,12 @@
             <p:ph type="body" sz="quarter" idx="23"/>
           </p:nvPr>
         </p:nvSpPr>
-        <p:spPr/>
+        <p:spPr>
+          <a:xfrm>
+            <a:off x="682625" y="1630020"/>
+            <a:ext cx="2447925" cy="606367"/>
+          </a:xfrm>
+        </p:spPr>
         <p:txBody>
           <a:bodyPr>
             <a:normAutofit/>
@@ -2738,7 +2775,12 @@
             <p:ph type="body" sz="quarter" idx="24"/>
           </p:nvPr>
         </p:nvSpPr>
-        <p:spPr/>
+        <p:spPr>
+          <a:xfrm>
+            <a:off x="3478847" y="1630020"/>
+            <a:ext cx="2447925" cy="606367"/>
+          </a:xfrm>
+        </p:spPr>
         <p:txBody>
           <a:bodyPr/>
           <a:lstStyle/>
@@ -2769,7 +2811,12 @@
             <p:ph type="body" sz="quarter" idx="25"/>
           </p:nvPr>
         </p:nvSpPr>
-        <p:spPr/>
+        <p:spPr>
+          <a:xfrm>
+            <a:off x="6265227" y="1624200"/>
+            <a:ext cx="2447925" cy="606367"/>
+          </a:xfrm>
+        </p:spPr>
         <p:txBody>
           <a:bodyPr/>
           <a:lstStyle/>
@@ -2800,7 +2847,12 @@
             <p:ph type="body" sz="quarter" idx="26"/>
           </p:nvPr>
         </p:nvSpPr>
-        <p:spPr/>
+        <p:spPr>
+          <a:xfrm>
+            <a:off x="9038759" y="1629940"/>
+            <a:ext cx="2447925" cy="606367"/>
+          </a:xfrm>
+        </p:spPr>
         <p:txBody>
           <a:bodyPr/>
           <a:lstStyle/>
@@ -4421,26 +4473,6 @@
 </file>
 
 <file path=customXml/item1.xml><?xml version="1.0" encoding="utf-8"?>
-<?mso-contentType ?>
-<FormTemplates xmlns="http://schemas.microsoft.com/sharepoint/v3/contenttype/forms">
-  <Display>DocumentLibraryForm</Display>
-  <Edit>DocumentLibraryForm</Edit>
-  <New>DocumentLibraryForm</New>
-</FormTemplates>
-</file>
-
-<file path=customXml/item2.xml><?xml version="1.0" encoding="utf-8"?>
-<p:properties xmlns:p="http://schemas.microsoft.com/office/2006/metadata/properties" xmlns:xsi="http://www.w3.org/2001/XMLSchema-instance" xmlns:pc="http://schemas.microsoft.com/office/infopath/2007/PartnerControls">
-  <documentManagement>
-    <TaxCatchAll xmlns="9bea065c-4598-471b-a0d8-b208471d6a41" xsi:nil="true"/>
-    <lcf76f155ced4ddcb4097134ff3c332f xmlns="737cdb0d-9f15-48ec-9529-975a91239bb1">
-      <Terms xmlns="http://schemas.microsoft.com/office/infopath/2007/PartnerControls"/>
-    </lcf76f155ced4ddcb4097134ff3c332f>
-  </documentManagement>
-</p:properties>
-</file>
-
-<file path=customXml/item3.xml><?xml version="1.0" encoding="utf-8"?>
 <ct:contentTypeSchema xmlns:ct="http://schemas.microsoft.com/office/2006/metadata/contentType" xmlns:ma="http://schemas.microsoft.com/office/2006/metadata/properties/metaAttributes" ct:_="" ma:_="" ma:contentTypeName="Document" ma:contentTypeID="0x010100A2CD2B7DD7D5E348A4B5B847AD49C1E4" ma:contentTypeVersion="15" ma:contentTypeDescription="Create a new document." ma:contentTypeScope="" ma:versionID="8e0e392dcf65750e3ad704a59f705fb3">
   <xsd:schema xmlns:xsd="http://www.w3.org/2001/XMLSchema" xmlns:xs="http://www.w3.org/2001/XMLSchema" xmlns:p="http://schemas.microsoft.com/office/2006/metadata/properties" xmlns:ns2="737cdb0d-9f15-48ec-9529-975a91239bb1" xmlns:ns3="9bea065c-4598-471b-a0d8-b208471d6a41" targetNamespace="http://schemas.microsoft.com/office/2006/metadata/properties" ma:root="true" ma:fieldsID="16d7d9ff6e2e2d483fddd166083c89fa" ns2:_="" ns3:_="">
     <xsd:import namespace="737cdb0d-9f15-48ec-9529-975a91239bb1"/>
@@ -4675,32 +4707,27 @@
 </ct:contentTypeSchema>
 </file>
 
-<file path=customXml/itemProps1.xml><?xml version="1.0" encoding="utf-8"?>
-<ds:datastoreItem xmlns:ds="http://schemas.openxmlformats.org/officeDocument/2006/customXml" ds:itemID="{3BB299B6-1159-4940-B296-E198453C8E80}">
-  <ds:schemaRefs>
-    <ds:schemaRef ds:uri="http://schemas.microsoft.com/sharepoint/v3/contenttype/forms"/>
-  </ds:schemaRefs>
-</ds:datastoreItem>
+<file path=customXml/item2.xml><?xml version="1.0" encoding="utf-8"?>
+<p:properties xmlns:p="http://schemas.microsoft.com/office/2006/metadata/properties" xmlns:xsi="http://www.w3.org/2001/XMLSchema-instance" xmlns:pc="http://schemas.microsoft.com/office/infopath/2007/PartnerControls">
+  <documentManagement>
+    <TaxCatchAll xmlns="9bea065c-4598-471b-a0d8-b208471d6a41" xsi:nil="true"/>
+    <lcf76f155ced4ddcb4097134ff3c332f xmlns="737cdb0d-9f15-48ec-9529-975a91239bb1">
+      <Terms xmlns="http://schemas.microsoft.com/office/infopath/2007/PartnerControls"/>
+    </lcf76f155ced4ddcb4097134ff3c332f>
+  </documentManagement>
+</p:properties>
 </file>
 
-<file path=customXml/itemProps2.xml><?xml version="1.0" encoding="utf-8"?>
-<ds:datastoreItem xmlns:ds="http://schemas.openxmlformats.org/officeDocument/2006/customXml" ds:itemID="{9674E985-4D59-45AB-8970-AD8E2C92CE21}">
-  <ds:schemaRefs>
-    <ds:schemaRef ds:uri="737cdb0d-9f15-48ec-9529-975a91239bb1"/>
-    <ds:schemaRef ds:uri="http://schemas.microsoft.com/office/2006/metadata/properties"/>
-    <ds:schemaRef ds:uri="9bea065c-4598-471b-a0d8-b208471d6a41"/>
-    <ds:schemaRef ds:uri="http://purl.org/dc/dcmitype/"/>
-    <ds:schemaRef ds:uri="http://schemas.microsoft.com/office/2006/documentManagement/types"/>
-    <ds:schemaRef ds:uri="http://purl.org/dc/elements/1.1/"/>
-    <ds:schemaRef ds:uri="http://schemas.microsoft.com/office/infopath/2007/PartnerControls"/>
-    <ds:schemaRef ds:uri="http://schemas.openxmlformats.org/package/2006/metadata/core-properties"/>
-    <ds:schemaRef ds:uri="http://www.w3.org/XML/1998/namespace"/>
-    <ds:schemaRef ds:uri="http://purl.org/dc/terms/"/>
-  </ds:schemaRefs>
-</ds:datastoreItem>
+<file path=customXml/item3.xml><?xml version="1.0" encoding="utf-8"?>
+<?mso-contentType ?>
+<FormTemplates xmlns="http://schemas.microsoft.com/sharepoint/v3/contenttype/forms">
+  <Display>DocumentLibraryForm</Display>
+  <Edit>DocumentLibraryForm</Edit>
+  <New>DocumentLibraryForm</New>
+</FormTemplates>
 </file>
 
-<file path=customXml/itemProps3.xml><?xml version="1.0" encoding="utf-8"?>
+<file path=customXml/itemProps1.xml><?xml version="1.0" encoding="utf-8"?>
 <ds:datastoreItem xmlns:ds="http://schemas.openxmlformats.org/officeDocument/2006/customXml" ds:itemID="{C4D443D4-D2BB-47D9-93BA-F264F5B47780}">
   <ds:schemaRefs>
     <ds:schemaRef ds:uri="737cdb0d-9f15-48ec-9529-975a91239bb1"/>
@@ -4717,4 +4744,29 @@
     <ds:schemaRef ds:uri="http://www.w3.org/2001/XMLSchema"/>
   </ds:schemaRefs>
 </ds:datastoreItem>
+</file>
+
+<file path=customXml/itemProps2.xml><?xml version="1.0" encoding="utf-8"?>
+<ds:datastoreItem xmlns:ds="http://schemas.openxmlformats.org/officeDocument/2006/customXml" ds:itemID="{9674E985-4D59-45AB-8970-AD8E2C92CE21}">
+  <ds:schemaRefs>
+    <ds:schemaRef ds:uri="http://www.w3.org/XML/1998/namespace"/>
+    <ds:schemaRef ds:uri="737cdb0d-9f15-48ec-9529-975a91239bb1"/>
+    <ds:schemaRef ds:uri="http://purl.org/dc/terms/"/>
+    <ds:schemaRef ds:uri="http://schemas.microsoft.com/office/2006/documentManagement/types"/>
+    <ds:schemaRef ds:uri="http://schemas.openxmlformats.org/package/2006/metadata/core-properties"/>
+    <ds:schemaRef ds:uri="http://schemas.microsoft.com/office/infopath/2007/PartnerControls"/>
+    <ds:schemaRef ds:uri="9bea065c-4598-471b-a0d8-b208471d6a41"/>
+    <ds:schemaRef ds:uri="http://schemas.microsoft.com/office/2006/metadata/properties"/>
+    <ds:schemaRef ds:uri="http://purl.org/dc/dcmitype/"/>
+    <ds:schemaRef ds:uri="http://purl.org/dc/elements/1.1/"/>
+  </ds:schemaRefs>
+</ds:datastoreItem>
+</file>
+
+<file path=customXml/itemProps3.xml><?xml version="1.0" encoding="utf-8"?>
+<ds:datastoreItem xmlns:ds="http://schemas.openxmlformats.org/officeDocument/2006/customXml" ds:itemID="{3BB299B6-1159-4940-B296-E198453C8E80}">
+  <ds:schemaRefs>
+    <ds:schemaRef ds:uri="http://schemas.microsoft.com/sharepoint/v3/contenttype/forms"/>
+  </ds:schemaRefs>
+</ds:datastoreItem>
 </file>
--- a/OKRs_template.pptx
+++ b/OKRs_template.pptx
@@ -128,18 +128,18 @@
   <pc:docChgLst>
     <pc:chgData name="Arbour, Duncan" userId="f8c76c83-f09a-4702-8a60-e00215c8b89f" providerId="ADAL" clId="{E249D028-DCC9-6944-92E2-4EC4D76AE587}"/>
     <pc:docChg chg="modSld">
-      <pc:chgData name="Arbour, Duncan" userId="f8c76c83-f09a-4702-8a60-e00215c8b89f" providerId="ADAL" clId="{E249D028-DCC9-6944-92E2-4EC4D76AE587}" dt="2024-09-12T09:18:23.751" v="32" actId="1035"/>
+      <pc:chgData name="Arbour, Duncan" userId="f8c76c83-f09a-4702-8a60-e00215c8b89f" providerId="ADAL" clId="{E249D028-DCC9-6944-92E2-4EC4D76AE587}" dt="2024-09-12T10:46:51.819" v="42" actId="1035"/>
       <pc:docMkLst>
         <pc:docMk/>
       </pc:docMkLst>
       <pc:sldChg chg="modSp mod">
-        <pc:chgData name="Arbour, Duncan" userId="f8c76c83-f09a-4702-8a60-e00215c8b89f" providerId="ADAL" clId="{E249D028-DCC9-6944-92E2-4EC4D76AE587}" dt="2024-09-12T09:18:23.751" v="32" actId="1035"/>
+        <pc:chgData name="Arbour, Duncan" userId="f8c76c83-f09a-4702-8a60-e00215c8b89f" providerId="ADAL" clId="{E249D028-DCC9-6944-92E2-4EC4D76AE587}" dt="2024-09-12T10:46:51.819" v="42" actId="1035"/>
         <pc:sldMkLst>
           <pc:docMk/>
           <pc:sldMk cId="1565184667" sldId="259"/>
         </pc:sldMkLst>
         <pc:spChg chg="mod">
-          <ac:chgData name="Arbour, Duncan" userId="f8c76c83-f09a-4702-8a60-e00215c8b89f" providerId="ADAL" clId="{E249D028-DCC9-6944-92E2-4EC4D76AE587}" dt="2024-09-12T09:05:25.354" v="17" actId="1035"/>
+          <ac:chgData name="Arbour, Duncan" userId="f8c76c83-f09a-4702-8a60-e00215c8b89f" providerId="ADAL" clId="{E249D028-DCC9-6944-92E2-4EC4D76AE587}" dt="2024-09-12T10:46:51.819" v="42" actId="1035"/>
           <ac:spMkLst>
             <pc:docMk/>
             <pc:sldMk cId="1565184667" sldId="259"/>
@@ -147,7 +147,7 @@
           </ac:spMkLst>
         </pc:spChg>
         <pc:spChg chg="mod">
-          <ac:chgData name="Arbour, Duncan" userId="f8c76c83-f09a-4702-8a60-e00215c8b89f" providerId="ADAL" clId="{E249D028-DCC9-6944-92E2-4EC4D76AE587}" dt="2024-09-12T09:05:25.354" v="17" actId="1035"/>
+          <ac:chgData name="Arbour, Duncan" userId="f8c76c83-f09a-4702-8a60-e00215c8b89f" providerId="ADAL" clId="{E249D028-DCC9-6944-92E2-4EC4D76AE587}" dt="2024-09-12T10:46:51.819" v="42" actId="1035"/>
           <ac:spMkLst>
             <pc:docMk/>
             <pc:sldMk cId="1565184667" sldId="259"/>
@@ -155,7 +155,7 @@
           </ac:spMkLst>
         </pc:spChg>
         <pc:spChg chg="mod">
-          <ac:chgData name="Arbour, Duncan" userId="f8c76c83-f09a-4702-8a60-e00215c8b89f" providerId="ADAL" clId="{E249D028-DCC9-6944-92E2-4EC4D76AE587}" dt="2024-09-12T09:05:25.354" v="17" actId="1035"/>
+          <ac:chgData name="Arbour, Duncan" userId="f8c76c83-f09a-4702-8a60-e00215c8b89f" providerId="ADAL" clId="{E249D028-DCC9-6944-92E2-4EC4D76AE587}" dt="2024-09-12T10:46:51.819" v="42" actId="1035"/>
           <ac:spMkLst>
             <pc:docMk/>
             <pc:sldMk cId="1565184667" sldId="259"/>
@@ -163,7 +163,7 @@
           </ac:spMkLst>
         </pc:spChg>
         <pc:spChg chg="mod">
-          <ac:chgData name="Arbour, Duncan" userId="f8c76c83-f09a-4702-8a60-e00215c8b89f" providerId="ADAL" clId="{E249D028-DCC9-6944-92E2-4EC4D76AE587}" dt="2024-09-12T09:05:25.354" v="17" actId="1035"/>
+          <ac:chgData name="Arbour, Duncan" userId="f8c76c83-f09a-4702-8a60-e00215c8b89f" providerId="ADAL" clId="{E249D028-DCC9-6944-92E2-4EC4D76AE587}" dt="2024-09-12T10:46:51.819" v="42" actId="1035"/>
           <ac:spMkLst>
             <pc:docMk/>
             <pc:sldMk cId="1565184667" sldId="259"/>
@@ -171,7 +171,7 @@
           </ac:spMkLst>
         </pc:spChg>
         <pc:spChg chg="mod">
-          <ac:chgData name="Arbour, Duncan" userId="f8c76c83-f09a-4702-8a60-e00215c8b89f" providerId="ADAL" clId="{E249D028-DCC9-6944-92E2-4EC4D76AE587}" dt="2024-09-12T09:18:23.751" v="32" actId="1035"/>
+          <ac:chgData name="Arbour, Duncan" userId="f8c76c83-f09a-4702-8a60-e00215c8b89f" providerId="ADAL" clId="{E249D028-DCC9-6944-92E2-4EC4D76AE587}" dt="2024-09-12T10:46:51.819" v="42" actId="1035"/>
           <ac:spMkLst>
             <pc:docMk/>
             <pc:sldMk cId="1565184667" sldId="259"/>
@@ -179,7 +179,7 @@
           </ac:spMkLst>
         </pc:spChg>
         <pc:spChg chg="mod">
-          <ac:chgData name="Arbour, Duncan" userId="f8c76c83-f09a-4702-8a60-e00215c8b89f" providerId="ADAL" clId="{E249D028-DCC9-6944-92E2-4EC4D76AE587}" dt="2024-09-12T09:18:23.751" v="32" actId="1035"/>
+          <ac:chgData name="Arbour, Duncan" userId="f8c76c83-f09a-4702-8a60-e00215c8b89f" providerId="ADAL" clId="{E249D028-DCC9-6944-92E2-4EC4D76AE587}" dt="2024-09-12T10:46:51.819" v="42" actId="1035"/>
           <ac:spMkLst>
             <pc:docMk/>
             <pc:sldMk cId="1565184667" sldId="259"/>
@@ -187,7 +187,7 @@
           </ac:spMkLst>
         </pc:spChg>
         <pc:spChg chg="mod">
-          <ac:chgData name="Arbour, Duncan" userId="f8c76c83-f09a-4702-8a60-e00215c8b89f" providerId="ADAL" clId="{E249D028-DCC9-6944-92E2-4EC4D76AE587}" dt="2024-09-12T09:18:23.751" v="32" actId="1035"/>
+          <ac:chgData name="Arbour, Duncan" userId="f8c76c83-f09a-4702-8a60-e00215c8b89f" providerId="ADAL" clId="{E249D028-DCC9-6944-92E2-4EC4D76AE587}" dt="2024-09-12T10:46:51.819" v="42" actId="1035"/>
           <ac:spMkLst>
             <pc:docMk/>
             <pc:sldMk cId="1565184667" sldId="259"/>
@@ -195,7 +195,7 @@
           </ac:spMkLst>
         </pc:spChg>
         <pc:spChg chg="mod">
-          <ac:chgData name="Arbour, Duncan" userId="f8c76c83-f09a-4702-8a60-e00215c8b89f" providerId="ADAL" clId="{E249D028-DCC9-6944-92E2-4EC4D76AE587}" dt="2024-09-12T09:18:23.751" v="32" actId="1035"/>
+          <ac:chgData name="Arbour, Duncan" userId="f8c76c83-f09a-4702-8a60-e00215c8b89f" providerId="ADAL" clId="{E249D028-DCC9-6944-92E2-4EC4D76AE587}" dt="2024-09-12T10:46:51.819" v="42" actId="1035"/>
           <ac:spMkLst>
             <pc:docMk/>
             <pc:sldMk cId="1565184667" sldId="259"/>
@@ -2739,7 +2739,7 @@
         </p:nvSpPr>
         <p:spPr>
           <a:xfrm>
-            <a:off x="682625" y="1630020"/>
+            <a:off x="682625" y="1497500"/>
             <a:ext cx="2447925" cy="606367"/>
           </a:xfrm>
         </p:spPr>
@@ -2777,7 +2777,7 @@
         </p:nvSpPr>
         <p:spPr>
           <a:xfrm>
-            <a:off x="3478847" y="1630020"/>
+            <a:off x="3478847" y="1497500"/>
             <a:ext cx="2447925" cy="606367"/>
           </a:xfrm>
         </p:spPr>
@@ -2813,7 +2813,7 @@
         </p:nvSpPr>
         <p:spPr>
           <a:xfrm>
-            <a:off x="6265227" y="1624200"/>
+            <a:off x="6265227" y="1491680"/>
             <a:ext cx="2447925" cy="606367"/>
           </a:xfrm>
         </p:spPr>
@@ -2849,7 +2849,7 @@
         </p:nvSpPr>
         <p:spPr>
           <a:xfrm>
-            <a:off x="9038759" y="1629940"/>
+            <a:off x="9038759" y="1497420"/>
             <a:ext cx="2447925" cy="606367"/>
           </a:xfrm>
         </p:spPr>
@@ -2883,7 +2883,7 @@
         </p:nvSpPr>
         <p:spPr>
           <a:xfrm>
-            <a:off x="705318" y="2584177"/>
+            <a:off x="705318" y="2451657"/>
             <a:ext cx="2447925" cy="606367"/>
           </a:xfrm>
           <a:prstGeom prst="rect">
@@ -3110,7 +3110,7 @@
         </p:nvSpPr>
         <p:spPr>
           <a:xfrm>
-            <a:off x="3501540" y="2584177"/>
+            <a:off x="3501540" y="2451657"/>
             <a:ext cx="2447925" cy="606367"/>
           </a:xfrm>
           <a:prstGeom prst="rect">
@@ -3337,7 +3337,7 @@
         </p:nvSpPr>
         <p:spPr>
           <a:xfrm>
-            <a:off x="6287920" y="2578357"/>
+            <a:off x="6287920" y="2445837"/>
             <a:ext cx="2447925" cy="606367"/>
           </a:xfrm>
           <a:prstGeom prst="rect">
@@ -3560,7 +3560,7 @@
         </p:nvSpPr>
         <p:spPr>
           <a:xfrm>
-            <a:off x="9061452" y="2584097"/>
+            <a:off x="9061452" y="2451577"/>
             <a:ext cx="2447925" cy="606367"/>
           </a:xfrm>
           <a:prstGeom prst="rect">
@@ -4473,6 +4473,26 @@
 </file>
 
 <file path=customXml/item1.xml><?xml version="1.0" encoding="utf-8"?>
+<?mso-contentType ?>
+<FormTemplates xmlns="http://schemas.microsoft.com/sharepoint/v3/contenttype/forms">
+  <Display>DocumentLibraryForm</Display>
+  <Edit>DocumentLibraryForm</Edit>
+  <New>DocumentLibraryForm</New>
+</FormTemplates>
+</file>
+
+<file path=customXml/item2.xml><?xml version="1.0" encoding="utf-8"?>
+<p:properties xmlns:p="http://schemas.microsoft.com/office/2006/metadata/properties" xmlns:xsi="http://www.w3.org/2001/XMLSchema-instance" xmlns:pc="http://schemas.microsoft.com/office/infopath/2007/PartnerControls">
+  <documentManagement>
+    <TaxCatchAll xmlns="9bea065c-4598-471b-a0d8-b208471d6a41" xsi:nil="true"/>
+    <lcf76f155ced4ddcb4097134ff3c332f xmlns="737cdb0d-9f15-48ec-9529-975a91239bb1">
+      <Terms xmlns="http://schemas.microsoft.com/office/infopath/2007/PartnerControls"/>
+    </lcf76f155ced4ddcb4097134ff3c332f>
+  </documentManagement>
+</p:properties>
+</file>
+
+<file path=customXml/item3.xml><?xml version="1.0" encoding="utf-8"?>
 <ct:contentTypeSchema xmlns:ct="http://schemas.microsoft.com/office/2006/metadata/contentType" xmlns:ma="http://schemas.microsoft.com/office/2006/metadata/properties/metaAttributes" ct:_="" ma:_="" ma:contentTypeName="Document" ma:contentTypeID="0x010100A2CD2B7DD7D5E348A4B5B847AD49C1E4" ma:contentTypeVersion="15" ma:contentTypeDescription="Create a new document." ma:contentTypeScope="" ma:versionID="8e0e392dcf65750e3ad704a59f705fb3">
   <xsd:schema xmlns:xsd="http://www.w3.org/2001/XMLSchema" xmlns:xs="http://www.w3.org/2001/XMLSchema" xmlns:p="http://schemas.microsoft.com/office/2006/metadata/properties" xmlns:ns2="737cdb0d-9f15-48ec-9529-975a91239bb1" xmlns:ns3="9bea065c-4598-471b-a0d8-b208471d6a41" targetNamespace="http://schemas.microsoft.com/office/2006/metadata/properties" ma:root="true" ma:fieldsID="16d7d9ff6e2e2d483fddd166083c89fa" ns2:_="" ns3:_="">
     <xsd:import namespace="737cdb0d-9f15-48ec-9529-975a91239bb1"/>
@@ -4707,27 +4727,32 @@
 </ct:contentTypeSchema>
 </file>
 
-<file path=customXml/item2.xml><?xml version="1.0" encoding="utf-8"?>
-<p:properties xmlns:p="http://schemas.microsoft.com/office/2006/metadata/properties" xmlns:xsi="http://www.w3.org/2001/XMLSchema-instance" xmlns:pc="http://schemas.microsoft.com/office/infopath/2007/PartnerControls">
-  <documentManagement>
-    <TaxCatchAll xmlns="9bea065c-4598-471b-a0d8-b208471d6a41" xsi:nil="true"/>
-    <lcf76f155ced4ddcb4097134ff3c332f xmlns="737cdb0d-9f15-48ec-9529-975a91239bb1">
-      <Terms xmlns="http://schemas.microsoft.com/office/infopath/2007/PartnerControls"/>
-    </lcf76f155ced4ddcb4097134ff3c332f>
-  </documentManagement>
-</p:properties>
+<file path=customXml/itemProps1.xml><?xml version="1.0" encoding="utf-8"?>
+<ds:datastoreItem xmlns:ds="http://schemas.openxmlformats.org/officeDocument/2006/customXml" ds:itemID="{3BB299B6-1159-4940-B296-E198453C8E80}">
+  <ds:schemaRefs>
+    <ds:schemaRef ds:uri="http://schemas.microsoft.com/sharepoint/v3/contenttype/forms"/>
+  </ds:schemaRefs>
+</ds:datastoreItem>
 </file>
 
-<file path=customXml/item3.xml><?xml version="1.0" encoding="utf-8"?>
-<?mso-contentType ?>
-<FormTemplates xmlns="http://schemas.microsoft.com/sharepoint/v3/contenttype/forms">
-  <Display>DocumentLibraryForm</Display>
-  <Edit>DocumentLibraryForm</Edit>
-  <New>DocumentLibraryForm</New>
-</FormTemplates>
+<file path=customXml/itemProps2.xml><?xml version="1.0" encoding="utf-8"?>
+<ds:datastoreItem xmlns:ds="http://schemas.openxmlformats.org/officeDocument/2006/customXml" ds:itemID="{9674E985-4D59-45AB-8970-AD8E2C92CE21}">
+  <ds:schemaRefs>
+    <ds:schemaRef ds:uri="http://www.w3.org/XML/1998/namespace"/>
+    <ds:schemaRef ds:uri="http://schemas.microsoft.com/office/2006/metadata/properties"/>
+    <ds:schemaRef ds:uri="http://purl.org/dc/terms/"/>
+    <ds:schemaRef ds:uri="9bea065c-4598-471b-a0d8-b208471d6a41"/>
+    <ds:schemaRef ds:uri="http://schemas.microsoft.com/office/2006/documentManagement/types"/>
+    <ds:schemaRef ds:uri="http://purl.org/dc/dcmitype/"/>
+    <ds:schemaRef ds:uri="http://schemas.microsoft.com/office/infopath/2007/PartnerControls"/>
+    <ds:schemaRef ds:uri="http://schemas.openxmlformats.org/package/2006/metadata/core-properties"/>
+    <ds:schemaRef ds:uri="737cdb0d-9f15-48ec-9529-975a91239bb1"/>
+    <ds:schemaRef ds:uri="http://purl.org/dc/elements/1.1/"/>
+  </ds:schemaRefs>
+</ds:datastoreItem>
 </file>
 
-<file path=customXml/itemProps1.xml><?xml version="1.0" encoding="utf-8"?>
+<file path=customXml/itemProps3.xml><?xml version="1.0" encoding="utf-8"?>
 <ds:datastoreItem xmlns:ds="http://schemas.openxmlformats.org/officeDocument/2006/customXml" ds:itemID="{C4D443D4-D2BB-47D9-93BA-F264F5B47780}">
   <ds:schemaRefs>
     <ds:schemaRef ds:uri="737cdb0d-9f15-48ec-9529-975a91239bb1"/>
@@ -4744,29 +4769,4 @@
     <ds:schemaRef ds:uri="http://www.w3.org/2001/XMLSchema"/>
   </ds:schemaRefs>
 </ds:datastoreItem>
-</file>
-
-<file path=customXml/itemProps2.xml><?xml version="1.0" encoding="utf-8"?>
-<ds:datastoreItem xmlns:ds="http://schemas.openxmlformats.org/officeDocument/2006/customXml" ds:itemID="{9674E985-4D59-45AB-8970-AD8E2C92CE21}">
-  <ds:schemaRefs>
-    <ds:schemaRef ds:uri="http://www.w3.org/XML/1998/namespace"/>
-    <ds:schemaRef ds:uri="737cdb0d-9f15-48ec-9529-975a91239bb1"/>
-    <ds:schemaRef ds:uri="http://purl.org/dc/terms/"/>
-    <ds:schemaRef ds:uri="http://schemas.microsoft.com/office/2006/documentManagement/types"/>
-    <ds:schemaRef ds:uri="http://schemas.openxmlformats.org/package/2006/metadata/core-properties"/>
-    <ds:schemaRef ds:uri="http://schemas.microsoft.com/office/infopath/2007/PartnerControls"/>
-    <ds:schemaRef ds:uri="9bea065c-4598-471b-a0d8-b208471d6a41"/>
-    <ds:schemaRef ds:uri="http://schemas.microsoft.com/office/2006/metadata/properties"/>
-    <ds:schemaRef ds:uri="http://purl.org/dc/dcmitype/"/>
-    <ds:schemaRef ds:uri="http://purl.org/dc/elements/1.1/"/>
-  </ds:schemaRefs>
-</ds:datastoreItem>
-</file>
-
-<file path=customXml/itemProps3.xml><?xml version="1.0" encoding="utf-8"?>
-<ds:datastoreItem xmlns:ds="http://schemas.openxmlformats.org/officeDocument/2006/customXml" ds:itemID="{3BB299B6-1159-4940-B296-E198453C8E80}">
-  <ds:schemaRefs>
-    <ds:schemaRef ds:uri="http://schemas.microsoft.com/sharepoint/v3/contenttype/forms"/>
-  </ds:schemaRefs>
-</ds:datastoreItem>
 </file>